--- a/bot/ai_generator/presentation_templates/Academic.pptx
+++ b/bot/ai_generator/presentation_templates/Academic.pptx
@@ -15881,15 +15881,15 @@
         </p:nvSpPr>
         <p:spPr>
           <a:xfrm>
-            <a:off x="1187344" y="1157627"/>
-            <a:ext cx="7073717" cy="640200"/>
+            <a:off x="1045770" y="279985"/>
+            <a:ext cx="7073717" cy="1024558"/>
           </a:xfrm>
           <a:prstGeom prst="rect">
             <a:avLst/>
           </a:prstGeom>
         </p:spPr>
         <p:txBody>
-          <a:bodyPr spcFirstLastPara="1" wrap="square" lIns="91425" tIns="91425" rIns="91425" bIns="91425" anchor="t" anchorCtr="0">
+          <a:bodyPr spcFirstLastPara="1" wrap="square" lIns="91425" tIns="91425" rIns="91425" bIns="91425" anchor="b" anchorCtr="0">
             <a:noAutofit/>
           </a:bodyPr>
           <a:lstStyle>
@@ -16089,7 +16089,7 @@
         </p:nvGrpSpPr>
         <p:grpSpPr>
           <a:xfrm>
-            <a:off x="6772111" y="387586"/>
+            <a:off x="8204737" y="81644"/>
             <a:ext cx="715227" cy="731490"/>
             <a:chOff x="5220554" y="2504411"/>
             <a:chExt cx="785101" cy="808902"/>
@@ -17431,7 +17431,7 @@
         </p:nvGrpSpPr>
         <p:grpSpPr>
           <a:xfrm rot="1000415">
-            <a:off x="8170588" y="4004012"/>
+            <a:off x="8286579" y="4010859"/>
             <a:ext cx="506815" cy="644758"/>
             <a:chOff x="5178300" y="3186599"/>
             <a:chExt cx="846420" cy="1106731"/>
@@ -18155,7 +18155,7 @@
         </p:nvGrpSpPr>
         <p:grpSpPr>
           <a:xfrm rot="-973170">
-            <a:off x="1071960" y="705807"/>
+            <a:off x="609435" y="401838"/>
             <a:ext cx="384030" cy="642548"/>
             <a:chOff x="2984817" y="1876816"/>
             <a:chExt cx="662139" cy="1106666"/>
@@ -18788,21 +18788,22 @@
         </p:nvSpPr>
         <p:spPr>
           <a:xfrm>
-            <a:off x="1187344" y="1949708"/>
-            <a:ext cx="7073717" cy="2283134"/>
+            <a:off x="1045770" y="1304543"/>
+            <a:ext cx="7073717" cy="3286843"/>
           </a:xfrm>
         </p:spPr>
         <p:txBody>
           <a:bodyPr/>
           <a:lstStyle>
-            <a:lvl1pPr>
+            <a:lvl1pPr marL="139700" indent="0">
               <a:lnSpc>
                 <a:spcPct val="150000"/>
               </a:lnSpc>
               <a:buClr>
                 <a:schemeClr val="accent2"/>
               </a:buClr>
-              <a:defRPr sz="1400"/>
+              <a:buNone/>
+              <a:defRPr sz="1600"/>
             </a:lvl1pPr>
           </a:lstStyle>
           <a:p>
@@ -25457,7 +25458,8 @@
         <p:txBody>
           <a:bodyPr/>
           <a:lstStyle>
-            <a:lvl1pPr algn="ctr">
+            <a:lvl1pPr marL="139700" indent="0" algn="ctr">
+              <a:buNone/>
               <a:defRPr/>
             </a:lvl1pPr>
           </a:lstStyle>
@@ -41654,47 +41656,17 @@
         </p:nvSpPr>
         <p:spPr>
           <a:xfrm>
-            <a:off x="500351" y="275129"/>
-            <a:ext cx="3035868" cy="1219340"/>
+            <a:off x="399134" y="215690"/>
+            <a:ext cx="3296868" cy="1092737"/>
           </a:xfrm>
         </p:spPr>
         <p:txBody>
-          <a:bodyPr anchor="ctr"/>
+          <a:bodyPr anchor="b"/>
           <a:lstStyle>
             <a:lvl1pPr>
               <a:defRPr sz="2400"/>
             </a:lvl1pPr>
           </a:lstStyle>
-          <a:p>
-            <a:endParaRPr lang="ru-UA" dirty="0"/>
-          </a:p>
-        </p:txBody>
-      </p:sp>
-      <p:sp>
-        <p:nvSpPr>
-          <p:cNvPr id="7" name="Text Placeholder 16">
-            <a:extLst>
-              <a:ext uri="{FF2B5EF4-FFF2-40B4-BE49-F238E27FC236}">
-                <a16:creationId xmlns:a16="http://schemas.microsoft.com/office/drawing/2014/main" id="{CEF69FDD-B314-4494-9F49-A5CDC22627A7}"/>
-              </a:ext>
-            </a:extLst>
-          </p:cNvPr>
-          <p:cNvSpPr>
-            <a:spLocks noGrp="1"/>
-          </p:cNvSpPr>
-          <p:nvPr>
-            <p:ph type="body" sz="half" idx="2"/>
-          </p:nvPr>
-        </p:nvSpPr>
-        <p:spPr>
-          <a:xfrm>
-            <a:off x="500350" y="1612743"/>
-            <a:ext cx="3035868" cy="2787857"/>
-          </a:xfrm>
-        </p:spPr>
-        <p:txBody>
-          <a:bodyPr/>
-          <a:lstStyle/>
           <a:p>
             <a:endParaRPr lang="ru-UA" dirty="0"/>
           </a:p>
@@ -41713,9 +41685,9 @@
           <p:nvPr userDrawn="1"/>
         </p:nvGrpSpPr>
         <p:grpSpPr>
-          <a:xfrm flipH="1">
-            <a:off x="206559" y="4140099"/>
-            <a:ext cx="914416" cy="1039128"/>
+          <a:xfrm>
+            <a:off x="7420480" y="4140176"/>
+            <a:ext cx="923512" cy="1039128"/>
             <a:chOff x="7413357" y="3354055"/>
             <a:chExt cx="734235" cy="829643"/>
           </a:xfrm>
@@ -42540,8 +42512,8 @@
         </p:nvSpPr>
         <p:spPr>
           <a:xfrm>
-            <a:off x="3911601" y="374270"/>
-            <a:ext cx="4748051" cy="4024810"/>
+            <a:off x="3991849" y="1223889"/>
+            <a:ext cx="4748051" cy="2703319"/>
           </a:xfrm>
           <a:prstGeom prst="roundRect">
             <a:avLst>
@@ -42564,7 +42536,7 @@
         </p:nvGrpSpPr>
         <p:grpSpPr>
           <a:xfrm rot="3112633" flipH="1">
-            <a:off x="8024563" y="4398778"/>
+            <a:off x="526483" y="4452483"/>
             <a:ext cx="640065" cy="906784"/>
             <a:chOff x="5719616" y="2003960"/>
             <a:chExt cx="326298" cy="475802"/>
@@ -43129,6 +43101,41 @@
           </p:txBody>
         </p:sp>
       </p:grpSp>
+      <p:sp>
+        <p:nvSpPr>
+          <p:cNvPr id="7" name="Text Placeholder 16">
+            <a:extLst>
+              <a:ext uri="{FF2B5EF4-FFF2-40B4-BE49-F238E27FC236}">
+                <a16:creationId xmlns:a16="http://schemas.microsoft.com/office/drawing/2014/main" id="{CEF69FDD-B314-4494-9F49-A5CDC22627A7}"/>
+              </a:ext>
+            </a:extLst>
+          </p:cNvPr>
+          <p:cNvSpPr>
+            <a:spLocks noGrp="1"/>
+          </p:cNvSpPr>
+          <p:nvPr>
+            <p:ph type="body" sz="half" idx="2"/>
+          </p:nvPr>
+        </p:nvSpPr>
+        <p:spPr>
+          <a:xfrm>
+            <a:off x="404099" y="1312271"/>
+            <a:ext cx="3296869" cy="3143447"/>
+          </a:xfrm>
+        </p:spPr>
+        <p:txBody>
+          <a:bodyPr/>
+          <a:lstStyle>
+            <a:lvl1pPr marL="139700" indent="0">
+              <a:buNone/>
+              <a:defRPr/>
+            </a:lvl1pPr>
+          </a:lstStyle>
+          <a:p>
+            <a:endParaRPr lang="ru-UA" dirty="0"/>
+          </a:p>
+        </p:txBody>
+      </p:sp>
     </p:spTree>
     <p:extLst>
       <p:ext uri="{BB962C8B-B14F-4D97-AF65-F5344CB8AC3E}">
